--- a/Talks/TFUG_Banner_Template.pptx
+++ b/Talks/TFUG_Banner_Template.pptx
@@ -218,7 +218,7 @@
           <a:p>
             <a:fld id="{9E566747-825C-A840-869D-29713667F408}" type="datetimeFigureOut">
               <a:rPr lang="en-US" smtClean="0"/>
-              <a:t>11/7/2021</a:t>
+              <a:t>2/2/2022</a:t>
             </a:fld>
             <a:endParaRPr lang="en-US"/>
           </a:p>
@@ -11492,7 +11492,7 @@
         <p:spPr>
           <a:xfrm>
             <a:off x="4939137" y="1798553"/>
-            <a:ext cx="6405921" cy="3827586"/>
+            <a:ext cx="5703806" cy="3839962"/>
           </a:xfrm>
           <a:prstGeom prst="rect">
             <a:avLst/>
@@ -11608,7 +11608,31 @@
                 <a:cs typeface="Google Sans Medium"/>
                 <a:sym typeface="Google Sans"/>
               </a:rPr>
-              <a:t>9 to 10 am IST, ??, 2021</a:t>
+              <a:t>9 to 10 am IST, 19</a:t>
+            </a:r>
+            <a:r>
+              <a:rPr lang="en-IN" sz="2133" baseline="30000" dirty="0">
+                <a:solidFill>
+                  <a:srgbClr val="425066"/>
+                </a:solidFill>
+                <a:latin typeface="Google Sans"/>
+                <a:ea typeface="Google Sans Medium"/>
+                <a:cs typeface="Google Sans Medium"/>
+                <a:sym typeface="Google Sans"/>
+              </a:rPr>
+              <a:t>th</a:t>
+            </a:r>
+            <a:r>
+              <a:rPr lang="en-IN" sz="2133" dirty="0">
+                <a:solidFill>
+                  <a:srgbClr val="425066"/>
+                </a:solidFill>
+                <a:latin typeface="Google Sans"/>
+                <a:ea typeface="Google Sans Medium"/>
+                <a:cs typeface="Google Sans Medium"/>
+                <a:sym typeface="Google Sans"/>
+              </a:rPr>
+              <a:t> February 2022</a:t>
             </a:r>
           </a:p>
           <a:p>
